--- a/Temp/HG/졸업작품 PPT.pptx
+++ b/Temp/HG/졸업작품 PPT.pptx
@@ -116,6 +116,11 @@
       </a:defRPr>
     </a:lvl9pPr>
   </p:defaultTextStyle>
+  <p:extLst>
+    <p:ext uri="{EFAFB233-063F-42B5-8137-9DF3F51BA10A}">
+      <p15:sldGuideLst xmlns:p15="http://schemas.microsoft.com/office/powerpoint/2012/main"/>
+    </p:ext>
+  </p:extLst>
 </p:presentation>
 </file>
 
@@ -266,7 +271,7 @@
           <a:p>
             <a:fld id="{E8ECE143-5094-4544-B118-BB3A5AC90660}" type="datetimeFigureOut">
               <a:rPr lang="ko-KR" altLang="en-US" smtClean="0"/>
-              <a:t>2025-09-21</a:t>
+              <a:t>2025-09-22</a:t>
             </a:fld>
             <a:endParaRPr lang="ko-KR" altLang="en-US"/>
           </a:p>
@@ -464,7 +469,7 @@
           <a:p>
             <a:fld id="{E8ECE143-5094-4544-B118-BB3A5AC90660}" type="datetimeFigureOut">
               <a:rPr lang="ko-KR" altLang="en-US" smtClean="0"/>
-              <a:t>2025-09-21</a:t>
+              <a:t>2025-09-22</a:t>
             </a:fld>
             <a:endParaRPr lang="ko-KR" altLang="en-US"/>
           </a:p>
@@ -672,7 +677,7 @@
           <a:p>
             <a:fld id="{E8ECE143-5094-4544-B118-BB3A5AC90660}" type="datetimeFigureOut">
               <a:rPr lang="ko-KR" altLang="en-US" smtClean="0"/>
-              <a:t>2025-09-21</a:t>
+              <a:t>2025-09-22</a:t>
             </a:fld>
             <a:endParaRPr lang="ko-KR" altLang="en-US"/>
           </a:p>
@@ -870,7 +875,7 @@
           <a:p>
             <a:fld id="{E8ECE143-5094-4544-B118-BB3A5AC90660}" type="datetimeFigureOut">
               <a:rPr lang="ko-KR" altLang="en-US" smtClean="0"/>
-              <a:t>2025-09-21</a:t>
+              <a:t>2025-09-22</a:t>
             </a:fld>
             <a:endParaRPr lang="ko-KR" altLang="en-US"/>
           </a:p>
@@ -1145,7 +1150,7 @@
           <a:p>
             <a:fld id="{E8ECE143-5094-4544-B118-BB3A5AC90660}" type="datetimeFigureOut">
               <a:rPr lang="ko-KR" altLang="en-US" smtClean="0"/>
-              <a:t>2025-09-21</a:t>
+              <a:t>2025-09-22</a:t>
             </a:fld>
             <a:endParaRPr lang="ko-KR" altLang="en-US"/>
           </a:p>
@@ -1410,7 +1415,7 @@
           <a:p>
             <a:fld id="{E8ECE143-5094-4544-B118-BB3A5AC90660}" type="datetimeFigureOut">
               <a:rPr lang="ko-KR" altLang="en-US" smtClean="0"/>
-              <a:t>2025-09-21</a:t>
+              <a:t>2025-09-22</a:t>
             </a:fld>
             <a:endParaRPr lang="ko-KR" altLang="en-US"/>
           </a:p>
@@ -1822,7 +1827,7 @@
           <a:p>
             <a:fld id="{E8ECE143-5094-4544-B118-BB3A5AC90660}" type="datetimeFigureOut">
               <a:rPr lang="ko-KR" altLang="en-US" smtClean="0"/>
-              <a:t>2025-09-21</a:t>
+              <a:t>2025-09-22</a:t>
             </a:fld>
             <a:endParaRPr lang="ko-KR" altLang="en-US"/>
           </a:p>
@@ -1963,7 +1968,7 @@
           <a:p>
             <a:fld id="{E8ECE143-5094-4544-B118-BB3A5AC90660}" type="datetimeFigureOut">
               <a:rPr lang="ko-KR" altLang="en-US" smtClean="0"/>
-              <a:t>2025-09-21</a:t>
+              <a:t>2025-09-22</a:t>
             </a:fld>
             <a:endParaRPr lang="ko-KR" altLang="en-US"/>
           </a:p>
@@ -2076,7 +2081,7 @@
           <a:p>
             <a:fld id="{E8ECE143-5094-4544-B118-BB3A5AC90660}" type="datetimeFigureOut">
               <a:rPr lang="ko-KR" altLang="en-US" smtClean="0"/>
-              <a:t>2025-09-21</a:t>
+              <a:t>2025-09-22</a:t>
             </a:fld>
             <a:endParaRPr lang="ko-KR" altLang="en-US"/>
           </a:p>
@@ -2387,7 +2392,7 @@
           <a:p>
             <a:fld id="{E8ECE143-5094-4544-B118-BB3A5AC90660}" type="datetimeFigureOut">
               <a:rPr lang="ko-KR" altLang="en-US" smtClean="0"/>
-              <a:t>2025-09-21</a:t>
+              <a:t>2025-09-22</a:t>
             </a:fld>
             <a:endParaRPr lang="ko-KR" altLang="en-US"/>
           </a:p>
@@ -2675,7 +2680,7 @@
           <a:p>
             <a:fld id="{E8ECE143-5094-4544-B118-BB3A5AC90660}" type="datetimeFigureOut">
               <a:rPr lang="ko-KR" altLang="en-US" smtClean="0"/>
-              <a:t>2025-09-21</a:t>
+              <a:t>2025-09-22</a:t>
             </a:fld>
             <a:endParaRPr lang="ko-KR" altLang="en-US"/>
           </a:p>
@@ -2916,7 +2921,7 @@
           <a:p>
             <a:fld id="{E8ECE143-5094-4544-B118-BB3A5AC90660}" type="datetimeFigureOut">
               <a:rPr lang="ko-KR" altLang="en-US" smtClean="0"/>
-              <a:t>2025-09-21</a:t>
+              <a:t>2025-09-22</a:t>
             </a:fld>
             <a:endParaRPr lang="ko-KR" altLang="en-US"/>
           </a:p>
@@ -3388,13 +3393,36 @@
           <a:lstStyle/>
           <a:p>
             <a:r>
-              <a:rPr lang="en-US" altLang="ko-KR"/>
+              <a:rPr lang="en-US" altLang="ko-KR" dirty="0"/>
               <a:t>2021182020 </a:t>
             </a:r>
             <a:r>
-              <a:rPr lang="ko-KR" altLang="en-US"/>
+              <a:rPr lang="ko-KR" altLang="en-US" dirty="0" err="1"/>
               <a:t>송형규</a:t>
             </a:r>
+            <a:endParaRPr lang="en-US" altLang="ko-KR" dirty="0"/>
+          </a:p>
+          <a:p>
+            <a:r>
+              <a:rPr lang="en-US" altLang="ko-KR" dirty="0"/>
+              <a:t>2021180018 </a:t>
+            </a:r>
+            <a:r>
+              <a:rPr lang="ko-KR" altLang="en-US" dirty="0"/>
+              <a:t>신성재</a:t>
+            </a:r>
+            <a:endParaRPr lang="en-US" altLang="ko-KR" dirty="0"/>
+          </a:p>
+          <a:p>
+            <a:r>
+              <a:rPr lang="en-US" altLang="ko-KR" dirty="0"/>
+              <a:t>2021180023 </a:t>
+            </a:r>
+            <a:r>
+              <a:rPr lang="ko-KR" altLang="en-US" dirty="0" err="1"/>
+              <a:t>이규아</a:t>
+            </a:r>
+            <a:endParaRPr lang="ko-KR" altLang="en-US" dirty="0"/>
           </a:p>
         </p:txBody>
       </p:sp>
@@ -3804,87 +3832,84 @@
           <a:lstStyle/>
           <a:p>
             <a:r>
-              <a:rPr lang="ko-KR" altLang="en-US" sz="3200"/>
+              <a:rPr lang="ko-KR" altLang="en-US" sz="3200" dirty="0"/>
               <a:t>연구과제 </a:t>
             </a:r>
             <a:r>
-              <a:rPr lang="en-US" altLang="ko-KR" sz="3200"/>
+              <a:rPr lang="en-US" altLang="ko-KR" sz="3200" dirty="0"/>
               <a:t>1 - </a:t>
             </a:r>
             <a:r>
-              <a:rPr lang="en-US" altLang="ko-KR" sz="2400"/>
+              <a:rPr lang="en-US" altLang="ko-KR" sz="2400" dirty="0"/>
               <a:t>5</a:t>
             </a:r>
             <a:r>
-              <a:rPr lang="ko-KR" altLang="en-US" sz="2400"/>
+              <a:rPr lang="ko-KR" altLang="en-US" sz="2400" dirty="0"/>
               <a:t>가지 속성의 상호작용</a:t>
             </a:r>
             <a:r>
-              <a:rPr lang="en-US" altLang="ko-KR" sz="2400"/>
+              <a:rPr lang="en-US" altLang="ko-KR" sz="2400" dirty="0"/>
               <a:t>, </a:t>
             </a:r>
             <a:r>
-              <a:rPr lang="ko-KR" altLang="en-US" sz="2400"/>
+              <a:rPr lang="ko-KR" altLang="en-US" sz="2400" dirty="0"/>
               <a:t>기술의 효과로 지형지물의 영구적인 변형</a:t>
             </a:r>
-            <a:endParaRPr lang="en-US" altLang="ko-KR" sz="2400"/>
-          </a:p>
-          <a:p>
-            <a:endParaRPr lang="ko-KR" altLang="en-US" sz="3200"/>
-          </a:p>
-          <a:p>
-            <a:r>
-              <a:rPr lang="ko-KR" altLang="en-US" sz="3200"/>
+            <a:endParaRPr lang="en-US" altLang="ko-KR" sz="2400" dirty="0"/>
+          </a:p>
+          <a:p>
+            <a:endParaRPr lang="ko-KR" altLang="en-US" sz="3200" dirty="0"/>
+          </a:p>
+          <a:p>
+            <a:r>
+              <a:rPr lang="ko-KR" altLang="en-US" sz="3200" dirty="0"/>
               <a:t>연구과제 </a:t>
             </a:r>
             <a:r>
-              <a:rPr lang="en-US" altLang="ko-KR" sz="3200"/>
-              <a:t>2 - </a:t>
-            </a:r>
-            <a:r>
-              <a:rPr lang="ko-KR" altLang="en-US" sz="2400"/>
+              <a:rPr lang="en-US" altLang="ko-KR" sz="3200" dirty="0"/>
+              <a:t>2 – </a:t>
+            </a:r>
+            <a:r>
+              <a:rPr lang="ko-KR" altLang="en-US" sz="2400" dirty="0"/>
               <a:t>그리드</a:t>
             </a:r>
             <a:r>
-              <a:rPr lang="en-US" altLang="ko-KR" sz="2400"/>
-              <a:t>(</a:t>
-            </a:r>
-            <a:r>
-              <a:rPr lang="ko-KR" altLang="en-US" sz="2400"/>
-              <a:t>또는 청크</a:t>
-            </a:r>
-            <a:r>
-              <a:rPr lang="en-US" altLang="ko-KR" sz="2400"/>
-              <a:t>) </a:t>
-            </a:r>
-            <a:r>
-              <a:rPr lang="ko-KR" altLang="en-US" sz="2400"/>
+              <a:rPr lang="en-US" altLang="ko-KR" sz="2400" dirty="0"/>
+              <a:t> </a:t>
+            </a:r>
+            <a:r>
+              <a:rPr lang="ko-KR" altLang="en-US" sz="2400" dirty="0"/>
               <a:t>단위로 월드를 계산하여 플레이어 주변 또는 상호작용 중인 장소만 연산하여 메모리 관리 최적화하기 </a:t>
             </a:r>
             <a:r>
-              <a:rPr lang="en-US" altLang="ko-KR" sz="2400"/>
-              <a:t>or Boostasio</a:t>
-            </a:r>
-          </a:p>
-          <a:p>
-            <a:endParaRPr lang="ko-KR" altLang="en-US" sz="3200"/>
-          </a:p>
-          <a:p>
-            <a:r>
-              <a:rPr lang="en-US" altLang="ko-KR" sz="3200"/>
+              <a:rPr lang="en-US" altLang="ko-KR" sz="2400" dirty="0"/>
+              <a:t>or </a:t>
+            </a:r>
+            <a:r>
+              <a:rPr lang="en-US" altLang="ko-KR" sz="2400" dirty="0" err="1"/>
+              <a:t>Boostasio</a:t>
+            </a:r>
+            <a:endParaRPr lang="en-US" altLang="ko-KR" sz="2400" dirty="0"/>
+          </a:p>
+          <a:p>
+            <a:endParaRPr lang="ko-KR" altLang="en-US" sz="3200" dirty="0"/>
+          </a:p>
+          <a:p>
+            <a:r>
+              <a:rPr lang="en-US" altLang="ko-KR" sz="3200" dirty="0"/>
               <a:t>0.2 </a:t>
             </a:r>
             <a:r>
-              <a:rPr lang="ko-KR" altLang="en-US" sz="3200"/>
+              <a:rPr lang="ko-KR" altLang="en-US" sz="3200" dirty="0"/>
               <a:t>연구과제 분량 </a:t>
             </a:r>
             <a:r>
-              <a:rPr lang="en-US" altLang="ko-KR" sz="3200"/>
+              <a:rPr lang="en-US" altLang="ko-KR" sz="3200" dirty="0"/>
               <a:t>- </a:t>
             </a:r>
             <a:r>
-              <a:rPr lang="ko-KR" altLang="en-US" sz="2400"/>
-              <a:t>나이아가라 시스템을 이용한 어쩌구</a:t>
+              <a:rPr lang="ko-KR" altLang="en-US" sz="2400" dirty="0"/>
+              <a:t>나이아가라 시스템</a:t>
             </a:r>
           </a:p>
         </p:txBody>
@@ -4187,80 +4212,96 @@
           <a:lstStyle/>
           <a:p>
             <a:r>
-              <a:rPr lang="ko-KR" altLang="en-US"/>
+              <a:rPr lang="ko-KR" altLang="en-US" dirty="0"/>
               <a:t>이런 산 초입부근에서 랜덤하게 시작</a:t>
             </a:r>
           </a:p>
           <a:p>
             <a:r>
-              <a:rPr lang="ko-KR" altLang="en-US"/>
-              <a:t>플레이어는 맵을 돌아다니며 자원이나 플레이어를 찾아다녀야한다</a:t>
-            </a:r>
-            <a:r>
-              <a:rPr lang="en-US" altLang="ko-KR"/>
+              <a:rPr lang="ko-KR" altLang="en-US" dirty="0"/>
+              <a:t>플레이어는 </a:t>
+            </a:r>
+            <a:r>
+              <a:rPr lang="ko-KR" altLang="en-US" dirty="0" err="1"/>
+              <a:t>맵을</a:t>
+            </a:r>
+            <a:r>
+              <a:rPr lang="ko-KR" altLang="en-US" dirty="0"/>
+              <a:t> 돌아다니며 자원이나 플레이어를 찾아 </a:t>
+            </a:r>
+            <a:r>
+              <a:rPr lang="ko-KR" altLang="en-US" dirty="0" err="1"/>
+              <a:t>다녀야한다</a:t>
+            </a:r>
+            <a:r>
+              <a:rPr lang="en-US" altLang="ko-KR" dirty="0"/>
               <a:t>.</a:t>
             </a:r>
           </a:p>
           <a:p>
             <a:r>
-              <a:rPr lang="ko-KR" altLang="en-US"/>
+              <a:rPr lang="ko-KR" altLang="en-US" dirty="0"/>
               <a:t>자원 </a:t>
             </a:r>
             <a:r>
-              <a:rPr lang="en-US" altLang="ko-KR"/>
+              <a:rPr lang="en-US" altLang="ko-KR" dirty="0"/>
               <a:t>- </a:t>
             </a:r>
             <a:r>
-              <a:rPr lang="ko-KR" altLang="en-US"/>
+              <a:rPr lang="ko-KR" altLang="en-US" dirty="0"/>
               <a:t>회복아이템</a:t>
             </a:r>
             <a:r>
-              <a:rPr lang="en-US" altLang="ko-KR"/>
+              <a:rPr lang="en-US" altLang="ko-KR" dirty="0"/>
               <a:t>, </a:t>
             </a:r>
             <a:r>
-              <a:rPr lang="ko-KR" altLang="en-US"/>
-              <a:t>궁극기 에너지</a:t>
-            </a:r>
-            <a:endParaRPr lang="en-US" altLang="ko-KR"/>
+              <a:rPr lang="ko-KR" altLang="en-US" dirty="0" err="1"/>
+              <a:t>궁극기</a:t>
+            </a:r>
+            <a:r>
+              <a:rPr lang="ko-KR" altLang="en-US" dirty="0"/>
+              <a:t> 에너지</a:t>
+            </a:r>
+            <a:endParaRPr lang="en-US" altLang="ko-KR" dirty="0"/>
           </a:p>
           <a:p>
             <a:pPr marL="0" indent="0">
               <a:buNone/>
             </a:pPr>
             <a:r>
-              <a:rPr lang="en-US" altLang="ko-KR"/>
+              <a:rPr lang="en-US" altLang="ko-KR" dirty="0"/>
               <a:t>	   </a:t>
             </a:r>
             <a:r>
-              <a:rPr lang="ko-KR" altLang="en-US"/>
+              <a:rPr lang="ko-KR" altLang="en-US" dirty="0"/>
               <a:t>특정 속성 또는 스킬 강화 아이템</a:t>
             </a:r>
             <a:r>
-              <a:rPr lang="en-US" altLang="ko-KR"/>
+              <a:rPr lang="en-US" altLang="ko-KR" dirty="0"/>
               <a:t>(</a:t>
             </a:r>
             <a:r>
-              <a:rPr lang="ko-KR" altLang="en-US"/>
+              <a:rPr lang="ko-KR" altLang="en-US" dirty="0"/>
               <a:t>수치만 변경</a:t>
             </a:r>
             <a:r>
-              <a:rPr lang="en-US" altLang="ko-KR"/>
+              <a:rPr lang="en-US" altLang="ko-KR" dirty="0"/>
               <a:t>)</a:t>
             </a:r>
           </a:p>
           <a:p>
             <a:r>
-              <a:rPr lang="ko-KR" altLang="en-US"/>
+              <a:rPr lang="ko-KR" altLang="en-US" dirty="0"/>
               <a:t>시간이 지날수록 물이 차오른다</a:t>
             </a:r>
             <a:r>
-              <a:rPr lang="en-US" altLang="ko-KR"/>
+              <a:rPr lang="en-US" altLang="ko-KR" dirty="0"/>
               <a:t>.</a:t>
             </a:r>
           </a:p>
           <a:p>
-            <a:endParaRPr lang="ko-KR" altLang="en-US"/>
+            <a:endParaRPr lang="ko-KR" altLang="en-US" dirty="0"/>
           </a:p>
         </p:txBody>
       </p:sp>
@@ -4676,100 +4717,121 @@
           <a:lstStyle/>
           <a:p>
             <a:r>
-              <a:rPr lang="ko-KR" altLang="en-US"/>
-              <a:t>상황에 따라 추가하려는 추가 제안요소</a:t>
-            </a:r>
-            <a:endParaRPr lang="en-US" altLang="ko-KR"/>
-          </a:p>
-          <a:p>
-            <a:endParaRPr lang="en-US" altLang="ko-KR"/>
+              <a:rPr lang="ko-KR" altLang="en-US" dirty="0"/>
+              <a:t>상황에 따라 추가하려는 요소</a:t>
+            </a:r>
+            <a:endParaRPr lang="en-US" altLang="ko-KR" dirty="0"/>
+          </a:p>
+          <a:p>
+            <a:endParaRPr lang="en-US" altLang="ko-KR" dirty="0"/>
           </a:p>
           <a:p>
             <a:pPr marL="0" indent="0">
               <a:buNone/>
             </a:pPr>
             <a:r>
-              <a:rPr lang="ko-KR" altLang="en-US"/>
+              <a:rPr lang="ko-KR" altLang="en-US" dirty="0"/>
               <a:t>속성별 효과</a:t>
             </a:r>
-            <a:endParaRPr lang="en-US" altLang="ko-KR"/>
+            <a:endParaRPr lang="en-US" altLang="ko-KR" dirty="0"/>
           </a:p>
           <a:p>
             <a:pPr marL="0" indent="0">
               <a:buNone/>
             </a:pPr>
-            <a:endParaRPr lang="ko-KR" altLang="en-US"/>
-          </a:p>
-          <a:p>
-            <a:r>
-              <a:rPr lang="ko-KR" altLang="en-US"/>
+            <a:endParaRPr lang="ko-KR" altLang="en-US" dirty="0"/>
+          </a:p>
+          <a:p>
+            <a:r>
+              <a:rPr lang="ko-KR" altLang="en-US" dirty="0"/>
               <a:t>화 </a:t>
             </a:r>
             <a:r>
-              <a:rPr lang="en-US" altLang="ko-KR"/>
+              <a:rPr lang="en-US" altLang="ko-KR" dirty="0"/>
               <a:t>- </a:t>
             </a:r>
             <a:r>
-              <a:rPr lang="ko-KR" altLang="en-US"/>
-              <a:t>플레이어가 피격시 몇초간 도트뎀</a:t>
-            </a:r>
-          </a:p>
-          <a:p>
-            <a:r>
-              <a:rPr lang="ko-KR" altLang="en-US"/>
+              <a:rPr lang="ko-KR" altLang="en-US" dirty="0"/>
+              <a:t>플레이어가 </a:t>
+            </a:r>
+            <a:r>
+              <a:rPr lang="ko-KR" altLang="en-US" dirty="0" err="1"/>
+              <a:t>피격시</a:t>
+            </a:r>
+            <a:r>
+              <a:rPr lang="ko-KR" altLang="en-US" dirty="0"/>
+              <a:t> </a:t>
+            </a:r>
+            <a:r>
+              <a:rPr lang="ko-KR" altLang="en-US" dirty="0" err="1"/>
+              <a:t>몇초간</a:t>
+            </a:r>
+            <a:r>
+              <a:rPr lang="ko-KR" altLang="en-US" dirty="0"/>
+              <a:t> </a:t>
+            </a:r>
+            <a:r>
+              <a:rPr lang="ko-KR" altLang="en-US" dirty="0" err="1"/>
+              <a:t>도트뎀</a:t>
+            </a:r>
+            <a:endParaRPr lang="ko-KR" altLang="en-US" dirty="0"/>
+          </a:p>
+          <a:p>
+            <a:r>
+              <a:rPr lang="ko-KR" altLang="en-US" dirty="0"/>
               <a:t>수 </a:t>
             </a:r>
             <a:r>
-              <a:rPr lang="en-US" altLang="ko-KR"/>
+              <a:rPr lang="en-US" altLang="ko-KR" dirty="0"/>
               <a:t>- </a:t>
             </a:r>
             <a:r>
-              <a:rPr lang="ko-KR" altLang="en-US"/>
+              <a:rPr lang="ko-KR" altLang="en-US" dirty="0"/>
               <a:t>이동속도가 잠시 느려짐</a:t>
             </a:r>
           </a:p>
           <a:p>
             <a:r>
-              <a:rPr lang="ko-KR" altLang="en-US"/>
+              <a:rPr lang="ko-KR" altLang="en-US" dirty="0"/>
               <a:t>목 </a:t>
             </a:r>
             <a:r>
-              <a:rPr lang="en-US" altLang="ko-KR"/>
+              <a:rPr lang="en-US" altLang="ko-KR" dirty="0"/>
               <a:t>- </a:t>
             </a:r>
             <a:r>
-              <a:rPr lang="ko-KR" altLang="en-US"/>
+              <a:rPr lang="ko-KR" altLang="en-US" dirty="0"/>
               <a:t>짧은 시간 속박</a:t>
             </a:r>
           </a:p>
           <a:p>
             <a:r>
-              <a:rPr lang="ko-KR" altLang="en-US"/>
+              <a:rPr lang="ko-KR" altLang="en-US" dirty="0"/>
               <a:t>금 </a:t>
             </a:r>
             <a:r>
-              <a:rPr lang="en-US" altLang="ko-KR"/>
+              <a:rPr lang="en-US" altLang="ko-KR" dirty="0"/>
               <a:t>- </a:t>
             </a:r>
             <a:r>
-              <a:rPr lang="ko-KR" altLang="en-US"/>
+              <a:rPr lang="ko-KR" altLang="en-US" dirty="0"/>
               <a:t>강한 데미지</a:t>
             </a:r>
           </a:p>
           <a:p>
             <a:r>
-              <a:rPr lang="ko-KR" altLang="en-US"/>
+              <a:rPr lang="ko-KR" altLang="en-US" dirty="0"/>
               <a:t>토 </a:t>
             </a:r>
             <a:r>
-              <a:rPr lang="en-US" altLang="ko-KR"/>
+              <a:rPr lang="en-US" altLang="ko-KR" dirty="0"/>
               <a:t>- </a:t>
             </a:r>
             <a:r>
-              <a:rPr lang="ko-KR" altLang="en-US"/>
+              <a:rPr lang="ko-KR" altLang="en-US" dirty="0"/>
               <a:t>잠시 시야를 제한함</a:t>
             </a:r>
-            <a:endParaRPr lang="en-US" altLang="ko-KR"/>
+            <a:endParaRPr lang="en-US" altLang="ko-KR" dirty="0"/>
           </a:p>
         </p:txBody>
       </p:sp>
@@ -4802,122 +4864,122 @@
           <a:lstStyle/>
           <a:p>
             <a:r>
-              <a:rPr lang="ko-KR" altLang="en-US" sz="2800"/>
+              <a:rPr lang="ko-KR" altLang="en-US" sz="2800" dirty="0"/>
               <a:t>속성간 상성</a:t>
             </a:r>
-            <a:endParaRPr lang="en-US" altLang="ko-KR" sz="2800"/>
-          </a:p>
-          <a:p>
-            <a:endParaRPr lang="ko-KR" altLang="en-US" sz="2800"/>
-          </a:p>
-          <a:p>
-            <a:r>
-              <a:rPr lang="ko-KR" altLang="en-US" sz="2800"/>
+            <a:endParaRPr lang="en-US" altLang="ko-KR" sz="2800" dirty="0"/>
+          </a:p>
+          <a:p>
+            <a:endParaRPr lang="ko-KR" altLang="en-US" sz="2800" dirty="0"/>
+          </a:p>
+          <a:p>
+            <a:r>
+              <a:rPr lang="ko-KR" altLang="en-US" sz="2800" dirty="0"/>
               <a:t>화 카운터 </a:t>
             </a:r>
             <a:r>
-              <a:rPr lang="en-US" altLang="ko-KR" sz="2800"/>
+              <a:rPr lang="en-US" altLang="ko-KR" sz="2800" dirty="0"/>
               <a:t>- </a:t>
             </a:r>
             <a:r>
-              <a:rPr lang="ko-KR" altLang="en-US" sz="2800"/>
+              <a:rPr lang="ko-KR" altLang="en-US" sz="2800" dirty="0"/>
               <a:t>수 </a:t>
             </a:r>
             <a:r>
-              <a:rPr lang="en-US" altLang="ko-KR" sz="2800"/>
+              <a:rPr lang="en-US" altLang="ko-KR" sz="2800" dirty="0"/>
               <a:t>or </a:t>
             </a:r>
             <a:r>
-              <a:rPr lang="ko-KR" altLang="en-US" sz="2800"/>
+              <a:rPr lang="ko-KR" altLang="en-US" sz="2800" dirty="0"/>
               <a:t>토</a:t>
             </a:r>
           </a:p>
           <a:p>
             <a:r>
-              <a:rPr lang="ko-KR" altLang="en-US" sz="2800"/>
+              <a:rPr lang="ko-KR" altLang="en-US" sz="2800" dirty="0"/>
               <a:t>수 카운터 </a:t>
             </a:r>
             <a:r>
-              <a:rPr lang="en-US" altLang="ko-KR" sz="2800"/>
+              <a:rPr lang="en-US" altLang="ko-KR" sz="2800" dirty="0"/>
               <a:t>- </a:t>
             </a:r>
             <a:r>
-              <a:rPr lang="ko-KR" altLang="en-US" sz="2800"/>
+              <a:rPr lang="ko-KR" altLang="en-US" sz="2800" dirty="0"/>
               <a:t>목 </a:t>
             </a:r>
             <a:r>
-              <a:rPr lang="en-US" altLang="ko-KR" sz="2800"/>
+              <a:rPr lang="en-US" altLang="ko-KR" sz="2800" dirty="0"/>
               <a:t>or </a:t>
             </a:r>
             <a:r>
-              <a:rPr lang="ko-KR" altLang="en-US" sz="2800"/>
+              <a:rPr lang="ko-KR" altLang="en-US" sz="2800" dirty="0"/>
               <a:t>금</a:t>
             </a:r>
             <a:r>
-              <a:rPr lang="en-US" altLang="ko-KR" sz="2800"/>
+              <a:rPr lang="en-US" altLang="ko-KR" sz="2800" dirty="0"/>
               <a:t>(</a:t>
             </a:r>
             <a:r>
-              <a:rPr lang="ko-KR" altLang="en-US" sz="2800"/>
+              <a:rPr lang="ko-KR" altLang="en-US" sz="2800" dirty="0"/>
               <a:t>관통</a:t>
             </a:r>
             <a:r>
-              <a:rPr lang="en-US" altLang="ko-KR" sz="2800"/>
+              <a:rPr lang="en-US" altLang="ko-KR" sz="2800" dirty="0"/>
               <a:t>)</a:t>
             </a:r>
           </a:p>
           <a:p>
             <a:r>
-              <a:rPr lang="ko-KR" altLang="en-US" sz="2800"/>
+              <a:rPr lang="ko-KR" altLang="en-US" sz="2800" dirty="0"/>
               <a:t>목 카운터 </a:t>
             </a:r>
             <a:r>
-              <a:rPr lang="en-US" altLang="ko-KR" sz="2800"/>
+              <a:rPr lang="en-US" altLang="ko-KR" sz="2800" dirty="0"/>
               <a:t>- </a:t>
             </a:r>
             <a:r>
-              <a:rPr lang="ko-KR" altLang="en-US" sz="2800"/>
+              <a:rPr lang="ko-KR" altLang="en-US" sz="2800" dirty="0"/>
               <a:t>화</a:t>
             </a:r>
           </a:p>
           <a:p>
             <a:r>
-              <a:rPr lang="ko-KR" altLang="en-US" sz="2800"/>
+              <a:rPr lang="ko-KR" altLang="en-US" sz="2800" dirty="0"/>
               <a:t>금 카운터 </a:t>
             </a:r>
             <a:r>
-              <a:rPr lang="en-US" altLang="ko-KR" sz="2800"/>
+              <a:rPr lang="en-US" altLang="ko-KR" sz="2800" dirty="0"/>
               <a:t>- </a:t>
             </a:r>
             <a:r>
-              <a:rPr lang="ko-KR" altLang="en-US" sz="2800"/>
+              <a:rPr lang="ko-KR" altLang="en-US" sz="2800" dirty="0"/>
               <a:t>토</a:t>
             </a:r>
           </a:p>
           <a:p>
             <a:r>
-              <a:rPr lang="ko-KR" altLang="en-US" sz="2800"/>
+              <a:rPr lang="ko-KR" altLang="en-US" sz="2800" dirty="0"/>
               <a:t>토 카운터 </a:t>
             </a:r>
             <a:r>
-              <a:rPr lang="en-US" altLang="ko-KR" sz="2800"/>
+              <a:rPr lang="en-US" altLang="ko-KR" sz="2800" dirty="0"/>
               <a:t>- </a:t>
             </a:r>
             <a:r>
-              <a:rPr lang="ko-KR" altLang="en-US" sz="2800"/>
+              <a:rPr lang="ko-KR" altLang="en-US" sz="2800" dirty="0"/>
               <a:t>수 </a:t>
             </a:r>
             <a:r>
-              <a:rPr lang="en-US" altLang="ko-KR" sz="2800"/>
+              <a:rPr lang="en-US" altLang="ko-KR" sz="2800" dirty="0"/>
               <a:t>or </a:t>
             </a:r>
             <a:r>
-              <a:rPr lang="ko-KR" altLang="en-US" sz="2800"/>
+              <a:rPr lang="ko-KR" altLang="en-US" sz="2800" dirty="0"/>
               <a:t>목</a:t>
             </a:r>
           </a:p>
           <a:p>
-            <a:endParaRPr lang="ko-KR" altLang="en-US" sz="2800"/>
+            <a:endParaRPr lang="ko-KR" altLang="en-US" sz="2800" dirty="0"/>
           </a:p>
         </p:txBody>
       </p:sp>
@@ -5007,63 +5069,68 @@
           <a:lstStyle/>
           <a:p>
             <a:r>
-              <a:rPr lang="ko-KR" altLang="en-US"/>
+              <a:rPr lang="ko-KR" altLang="en-US" dirty="0"/>
               <a:t>플레이어는 </a:t>
             </a:r>
             <a:r>
-              <a:rPr lang="en-US" altLang="ko-KR"/>
+              <a:rPr lang="en-US" altLang="ko-KR" dirty="0"/>
               <a:t>WASD</a:t>
             </a:r>
             <a:r>
-              <a:rPr lang="ko-KR" altLang="en-US"/>
+              <a:rPr lang="ko-KR" altLang="en-US" dirty="0"/>
               <a:t>와 마우스로 조작</a:t>
             </a:r>
           </a:p>
           <a:p>
             <a:r>
-              <a:rPr lang="en-US" altLang="ko-KR"/>
+              <a:rPr lang="en-US" altLang="ko-KR" dirty="0"/>
               <a:t>Q, E, R</a:t>
             </a:r>
             <a:r>
-              <a:rPr lang="ko-KR" altLang="en-US"/>
+              <a:rPr lang="ko-KR" altLang="en-US" dirty="0"/>
               <a:t>로 스킬을 사용 가능</a:t>
             </a:r>
           </a:p>
           <a:p>
             <a:r>
-              <a:rPr lang="en-US" altLang="ko-KR"/>
+              <a:rPr lang="en-US" altLang="ko-KR" dirty="0"/>
               <a:t>Shift</a:t>
             </a:r>
             <a:r>
-              <a:rPr lang="ko-KR" altLang="en-US"/>
-              <a:t>로 대쉬</a:t>
-            </a:r>
-          </a:p>
-          <a:p>
-            <a:r>
-              <a:rPr lang="en-US" altLang="ko-KR"/>
+              <a:rPr lang="ko-KR" altLang="en-US" dirty="0"/>
+              <a:t>로 </a:t>
+            </a:r>
+            <a:r>
+              <a:rPr lang="ko-KR" altLang="en-US" dirty="0" err="1"/>
+              <a:t>대쉬</a:t>
+            </a:r>
+            <a:endParaRPr lang="ko-KR" altLang="en-US" dirty="0"/>
+          </a:p>
+          <a:p>
+            <a:r>
+              <a:rPr lang="en-US" altLang="ko-KR" dirty="0"/>
               <a:t>F</a:t>
             </a:r>
             <a:r>
-              <a:rPr lang="ko-KR" altLang="en-US"/>
+              <a:rPr lang="ko-KR" altLang="en-US" dirty="0"/>
               <a:t>로 상호작용</a:t>
             </a:r>
           </a:p>
           <a:p>
             <a:r>
-              <a:rPr lang="en-US" altLang="ko-KR"/>
+              <a:rPr lang="en-US" altLang="ko-KR" dirty="0"/>
               <a:t>T</a:t>
             </a:r>
             <a:r>
-              <a:rPr lang="ko-KR" altLang="en-US"/>
+              <a:rPr lang="ko-KR" altLang="en-US" dirty="0"/>
               <a:t>로 아이템 사용 </a:t>
             </a:r>
             <a:r>
-              <a:rPr lang="en-US" altLang="ko-KR"/>
-              <a:t>&gt;&gt; 1,2,3</a:t>
-            </a:r>
-            <a:r>
-              <a:rPr lang="ko-KR" altLang="en-US"/>
+              <a:rPr lang="en-US" altLang="ko-KR" dirty="0"/>
+              <a:t>&gt; 1,2,3</a:t>
+            </a:r>
+            <a:r>
+              <a:rPr lang="ko-KR" altLang="en-US" dirty="0"/>
               <a:t>으로 변경될 여지 있음</a:t>
             </a:r>
           </a:p>
@@ -5071,7 +5138,7 @@
             <a:pPr marL="0" indent="0">
               <a:buNone/>
             </a:pPr>
-            <a:endParaRPr lang="ko-KR" altLang="en-US"/>
+            <a:endParaRPr lang="ko-KR" altLang="en-US" dirty="0"/>
           </a:p>
         </p:txBody>
       </p:sp>
